--- a/Sesión_0/Sesion_0.pptx
+++ b/Sesión_0/Sesion_0.pptx
@@ -169,8 +169,7 @@
 <file path=ppt/revisionInfo.xml><?xml version="1.0" encoding="utf-8"?>
 <p1510:revInfo xmlns:a="http://schemas.openxmlformats.org/drawingml/2006/main" xmlns:r="http://schemas.openxmlformats.org/officeDocument/2006/relationships" xmlns:p1510="http://schemas.microsoft.com/office/powerpoint/2015/10/main">
   <p1510:revLst>
-    <p1510:client id="{29AE3C56-95F7-4B8B-A3E1-184D660B9D00}" v="47" dt="2025-02-04T14:46:36.705"/>
-    <p1510:client id="{3C960EF9-9F90-4C06-ADB8-88ED32B978A2}" v="6" dt="2025-02-04T15:46:04.708"/>
+    <p1510:client id="{3C960EF9-9F90-4C06-ADB8-88ED32B978A2}" v="7" dt="2025-02-05T17:54:54.883"/>
   </p1510:revLst>
 </p1510:revInfo>
 </file>
@@ -585,7 +584,7 @@
   <pc:docChgLst>
     <pc:chgData name="JHEYSON FABIAN VILLAVISAN BUITRAGO" userId="e5ced5c2-d787-455d-b115-4f08a699b8c8" providerId="ADAL" clId="{3C960EF9-9F90-4C06-ADB8-88ED32B978A2}"/>
     <pc:docChg chg="undo custSel addSld delSld modSld sldOrd modSection">
-      <pc:chgData name="JHEYSON FABIAN VILLAVISAN BUITRAGO" userId="e5ced5c2-d787-455d-b115-4f08a699b8c8" providerId="ADAL" clId="{3C960EF9-9F90-4C06-ADB8-88ED32B978A2}" dt="2025-02-04T15:59:24.826" v="1061" actId="113"/>
+      <pc:chgData name="JHEYSON FABIAN VILLAVISAN BUITRAGO" userId="e5ced5c2-d787-455d-b115-4f08a699b8c8" providerId="ADAL" clId="{3C960EF9-9F90-4C06-ADB8-88ED32B978A2}" dt="2025-02-05T17:54:54.882" v="1063"/>
       <pc:docMkLst>
         <pc:docMk/>
       </pc:docMkLst>
@@ -678,8 +677,8 @@
           <pc:sldMk cId="214171354" sldId="278"/>
         </pc:sldMkLst>
       </pc:sldChg>
-      <pc:sldChg chg="modSp mod ord">
-        <pc:chgData name="JHEYSON FABIAN VILLAVISAN BUITRAGO" userId="e5ced5c2-d787-455d-b115-4f08a699b8c8" providerId="ADAL" clId="{3C960EF9-9F90-4C06-ADB8-88ED32B978A2}" dt="2025-02-04T15:24:27.738" v="4" actId="20577"/>
+      <pc:sldChg chg="modSp add del mod ord">
+        <pc:chgData name="JHEYSON FABIAN VILLAVISAN BUITRAGO" userId="e5ced5c2-d787-455d-b115-4f08a699b8c8" providerId="ADAL" clId="{3C960EF9-9F90-4C06-ADB8-88ED32B978A2}" dt="2025-02-05T17:54:54.882" v="1063"/>
         <pc:sldMkLst>
           <pc:docMk/>
           <pc:sldMk cId="2965408220" sldId="280"/>
@@ -960,22 +959,6 @@
     </pc:docChg>
   </pc:docChgLst>
   <pc:docChgLst>
-    <pc:chgData name="CHRISTIAN FARID CAMPOS GONZALEZ" userId="S::cfcamposg@itc.edu.co::e2af7a5d-6f96-4d58-8d9d-c7b333dcb75c" providerId="AD" clId="Web-{051E1A00-470F-A370-EEE3-4A0CE303ACD9}"/>
-    <pc:docChg chg="sldOrd">
-      <pc:chgData name="CHRISTIAN FARID CAMPOS GONZALEZ" userId="S::cfcamposg@itc.edu.co::e2af7a5d-6f96-4d58-8d9d-c7b333dcb75c" providerId="AD" clId="Web-{051E1A00-470F-A370-EEE3-4A0CE303ACD9}" dt="2024-03-03T17:01:05.428" v="0"/>
-      <pc:docMkLst>
-        <pc:docMk/>
-      </pc:docMkLst>
-      <pc:sldChg chg="ord">
-        <pc:chgData name="CHRISTIAN FARID CAMPOS GONZALEZ" userId="S::cfcamposg@itc.edu.co::e2af7a5d-6f96-4d58-8d9d-c7b333dcb75c" providerId="AD" clId="Web-{051E1A00-470F-A370-EEE3-4A0CE303ACD9}" dt="2024-03-03T17:01:05.428" v="0"/>
-        <pc:sldMkLst>
-          <pc:docMk/>
-          <pc:sldMk cId="2680639377" sldId="275"/>
-        </pc:sldMkLst>
-      </pc:sldChg>
-    </pc:docChg>
-  </pc:docChgLst>
-  <pc:docChgLst>
     <pc:chgData name="JHEYSON FABIAN VILLAVISAN BUITRAGO" userId="e5ced5c2-d787-455d-b115-4f08a699b8c8" providerId="ADAL" clId="{3985C9E5-81AA-4DDC-888E-805F19B02ED5}"/>
     <pc:docChg chg="undo custSel addSld delSld modSld modSection">
       <pc:chgData name="JHEYSON FABIAN VILLAVISAN BUITRAGO" userId="e5ced5c2-d787-455d-b115-4f08a699b8c8" providerId="ADAL" clId="{3985C9E5-81AA-4DDC-888E-805F19B02ED5}" dt="2024-08-06T19:04:24.772" v="434" actId="20577"/>
@@ -1036,6 +1019,22 @@
         <pc:sldMkLst>
           <pc:docMk/>
           <pc:sldMk cId="2965408220" sldId="280"/>
+        </pc:sldMkLst>
+      </pc:sldChg>
+    </pc:docChg>
+  </pc:docChgLst>
+  <pc:docChgLst>
+    <pc:chgData name="CHRISTIAN FARID CAMPOS GONZALEZ" userId="S::cfcamposg@itc.edu.co::e2af7a5d-6f96-4d58-8d9d-c7b333dcb75c" providerId="AD" clId="Web-{051E1A00-470F-A370-EEE3-4A0CE303ACD9}"/>
+    <pc:docChg chg="sldOrd">
+      <pc:chgData name="CHRISTIAN FARID CAMPOS GONZALEZ" userId="S::cfcamposg@itc.edu.co::e2af7a5d-6f96-4d58-8d9d-c7b333dcb75c" providerId="AD" clId="Web-{051E1A00-470F-A370-EEE3-4A0CE303ACD9}" dt="2024-03-03T17:01:05.428" v="0"/>
+      <pc:docMkLst>
+        <pc:docMk/>
+      </pc:docMkLst>
+      <pc:sldChg chg="ord">
+        <pc:chgData name="CHRISTIAN FARID CAMPOS GONZALEZ" userId="S::cfcamposg@itc.edu.co::e2af7a5d-6f96-4d58-8d9d-c7b333dcb75c" providerId="AD" clId="Web-{051E1A00-470F-A370-EEE3-4A0CE303ACD9}" dt="2024-03-03T17:01:05.428" v="0"/>
+        <pc:sldMkLst>
+          <pc:docMk/>
+          <pc:sldMk cId="2680639377" sldId="275"/>
         </pc:sldMkLst>
       </pc:sldChg>
     </pc:docChg>
@@ -1260,7 +1259,7 @@
               <a:pPr>
                 <a:defRPr/>
               </a:pPr>
-              <a:t>4/02/2025</a:t>
+              <a:t>5/02/2025</a:t>
             </a:fld>
             <a:endParaRPr lang="es-CO"/>
           </a:p>
@@ -1503,7 +1502,7 @@
               <a:pPr>
                 <a:defRPr/>
               </a:pPr>
-              <a:t>4/02/2025</a:t>
+              <a:t>5/02/2025</a:t>
             </a:fld>
             <a:endParaRPr lang="es-CO"/>
           </a:p>
@@ -2579,7 +2578,7 @@
           <a:p>
             <a:fld id="{9CF7635E-2D71-42E7-9E6C-FBB85A15A85F}" type="datetimeFigureOut">
               <a:rPr lang="es-CO" smtClean="0"/>
-              <a:t>4/02/2025</a:t>
+              <a:t>5/02/2025</a:t>
             </a:fld>
             <a:endParaRPr lang="es-CO"/>
           </a:p>
@@ -2845,7 +2844,7 @@
           <a:p>
             <a:fld id="{9CF7635E-2D71-42E7-9E6C-FBB85A15A85F}" type="datetimeFigureOut">
               <a:rPr lang="es-CO" smtClean="0"/>
-              <a:t>4/02/2025</a:t>
+              <a:t>5/02/2025</a:t>
             </a:fld>
             <a:endParaRPr lang="es-CO"/>
           </a:p>
@@ -3061,7 +3060,7 @@
           <a:p>
             <a:fld id="{9CF7635E-2D71-42E7-9E6C-FBB85A15A85F}" type="datetimeFigureOut">
               <a:rPr lang="es-CO" smtClean="0"/>
-              <a:t>4/02/2025</a:t>
+              <a:t>5/02/2025</a:t>
             </a:fld>
             <a:endParaRPr lang="es-CO"/>
           </a:p>
@@ -4690,7 +4689,7 @@
           <a:p>
             <a:fld id="{9CF7635E-2D71-42E7-9E6C-FBB85A15A85F}" type="datetimeFigureOut">
               <a:rPr lang="es-CO" smtClean="0"/>
-              <a:t>4/02/2025</a:t>
+              <a:t>5/02/2025</a:t>
             </a:fld>
             <a:endParaRPr lang="es-CO"/>
           </a:p>
@@ -5137,7 +5136,7 @@
           <a:p>
             <a:fld id="{9CF7635E-2D71-42E7-9E6C-FBB85A15A85F}" type="datetimeFigureOut">
               <a:rPr lang="es-CO" smtClean="0"/>
-              <a:t>4/02/2025</a:t>
+              <a:t>5/02/2025</a:t>
             </a:fld>
             <a:endParaRPr lang="es-CO"/>
           </a:p>
@@ -5411,7 +5410,7 @@
           <a:p>
             <a:fld id="{9CF7635E-2D71-42E7-9E6C-FBB85A15A85F}" type="datetimeFigureOut">
               <a:rPr lang="es-CO" smtClean="0"/>
-              <a:t>4/02/2025</a:t>
+              <a:t>5/02/2025</a:t>
             </a:fld>
             <a:endParaRPr lang="es-CO"/>
           </a:p>
@@ -5832,7 +5831,7 @@
           <a:p>
             <a:fld id="{9CF7635E-2D71-42E7-9E6C-FBB85A15A85F}" type="datetimeFigureOut">
               <a:rPr lang="es-CO" smtClean="0"/>
-              <a:t>4/02/2025</a:t>
+              <a:t>5/02/2025</a:t>
             </a:fld>
             <a:endParaRPr lang="es-CO"/>
           </a:p>
@@ -5980,7 +5979,7 @@
           <a:p>
             <a:fld id="{9CF7635E-2D71-42E7-9E6C-FBB85A15A85F}" type="datetimeFigureOut">
               <a:rPr lang="es-CO" smtClean="0"/>
-              <a:t>4/02/2025</a:t>
+              <a:t>5/02/2025</a:t>
             </a:fld>
             <a:endParaRPr lang="es-CO"/>
           </a:p>
@@ -6099,7 +6098,7 @@
           <a:p>
             <a:fld id="{9CF7635E-2D71-42E7-9E6C-FBB85A15A85F}" type="datetimeFigureOut">
               <a:rPr lang="es-CO" smtClean="0"/>
-              <a:t>4/02/2025</a:t>
+              <a:t>5/02/2025</a:t>
             </a:fld>
             <a:endParaRPr lang="es-CO"/>
           </a:p>
@@ -6418,7 +6417,7 @@
           <a:p>
             <a:fld id="{9CF7635E-2D71-42E7-9E6C-FBB85A15A85F}" type="datetimeFigureOut">
               <a:rPr lang="es-CO" smtClean="0"/>
-              <a:t>4/02/2025</a:t>
+              <a:t>5/02/2025</a:t>
             </a:fld>
             <a:endParaRPr lang="es-CO"/>
           </a:p>
@@ -6713,7 +6712,7 @@
           <a:p>
             <a:fld id="{9CF7635E-2D71-42E7-9E6C-FBB85A15A85F}" type="datetimeFigureOut">
               <a:rPr lang="es-CO" smtClean="0"/>
-              <a:t>4/02/2025</a:t>
+              <a:t>5/02/2025</a:t>
             </a:fld>
             <a:endParaRPr lang="es-CO"/>
           </a:p>
@@ -6962,7 +6961,7 @@
           <a:p>
             <a:fld id="{9CF7635E-2D71-42E7-9E6C-FBB85A15A85F}" type="datetimeFigureOut">
               <a:rPr lang="es-CO" smtClean="0"/>
-              <a:t>4/02/2025</a:t>
+              <a:t>5/02/2025</a:t>
             </a:fld>
             <a:endParaRPr lang="es-CO"/>
           </a:p>
@@ -8588,17 +8587,11 @@
           <p:cNvGraphicFramePr>
             <a:graphicFrameLocks noGrp="1"/>
           </p:cNvGraphicFramePr>
-          <p:nvPr>
-            <p:extLst>
-              <p:ext uri="{D42A27DB-BD31-4B8C-83A1-F6EECF244321}">
-                <p14:modId xmlns:p14="http://schemas.microsoft.com/office/powerpoint/2010/main" val="2816156241"/>
-              </p:ext>
-            </p:extLst>
-          </p:nvPr>
+          <p:nvPr/>
         </p:nvGraphicFramePr>
         <p:xfrm>
           <a:off x="863588" y="620688"/>
-          <a:ext cx="7416824" cy="5356828"/>
+          <a:ext cx="7416824" cy="5483937"/>
         </p:xfrm>
         <a:graphic>
           <a:graphicData uri="http://schemas.openxmlformats.org/drawingml/2006/table">
@@ -9207,20 +9200,27 @@
                     <a:bodyPr/>
                     <a:lstStyle/>
                     <a:p>
-                      <a:pPr algn="ctr"/>
-                      <a:r>
-                        <a:rPr lang="es-CO" sz="1000" dirty="0" err="1"/>
-                        <a:t>PSoC</a:t>
-                      </a:r>
+                      <a:pPr marL="0" marR="0" lvl="0" indent="0" algn="ctr" defTabSz="685800" rtl="0" eaLnBrk="1" fontAlgn="auto" latinLnBrk="0" hangingPunct="1">
+                        <a:lnSpc>
+                          <a:spcPct val="100000"/>
+                        </a:lnSpc>
+                        <a:spcBef>
+                          <a:spcPts val="0"/>
+                        </a:spcBef>
+                        <a:spcAft>
+                          <a:spcPts val="0"/>
+                        </a:spcAft>
+                        <a:buClrTx/>
+                        <a:buSzTx/>
+                        <a:buFontTx/>
+                        <a:buNone/>
+                        <a:tabLst/>
+                        <a:defRPr/>
+                      </a:pPr>
                       <a:r>
                         <a:rPr lang="es-CO" sz="1000" dirty="0"/>
-                        <a:t> </a:t>
+                        <a:t>Laboratorio</a:t>
                       </a:r>
-                      <a:r>
-                        <a:rPr lang="es-CO" sz="1000"/>
-                        <a:t>Creator</a:t>
-                      </a:r>
-                      <a:endParaRPr lang="es-CO" sz="1000" dirty="0"/>
                     </a:p>
                   </a:txBody>
                   <a:tcPr>
@@ -9382,6 +9382,54 @@
                   <a:txBody>
                     <a:bodyPr/>
                     <a:lstStyle/>
+                    <a:p>
+                      <a:pPr marL="0" marR="0" lvl="0" indent="0" algn="ctr" defTabSz="685800" rtl="0" eaLnBrk="1" fontAlgn="auto" latinLnBrk="0" hangingPunct="1">
+                        <a:lnSpc>
+                          <a:spcPct val="100000"/>
+                        </a:lnSpc>
+                        <a:spcBef>
+                          <a:spcPts val="0"/>
+                        </a:spcBef>
+                        <a:spcAft>
+                          <a:spcPts val="0"/>
+                        </a:spcAft>
+                        <a:buClrTx/>
+                        <a:buSzTx/>
+                        <a:buFontTx/>
+                        <a:buNone/>
+                        <a:tabLst/>
+                        <a:defRPr/>
+                      </a:pPr>
+                      <a:r>
+                        <a:rPr lang="es-CO" sz="1000" dirty="0" err="1">
+                          <a:highlight>
+                            <a:srgbClr val="00FFFF"/>
+                          </a:highlight>
+                        </a:rPr>
+                        <a:t>PSoC</a:t>
+                      </a:r>
+                      <a:r>
+                        <a:rPr lang="es-CO" sz="1000" dirty="0">
+                          <a:highlight>
+                            <a:srgbClr val="00FFFF"/>
+                          </a:highlight>
+                        </a:rPr>
+                        <a:t> </a:t>
+                      </a:r>
+                      <a:r>
+                        <a:rPr lang="es-CO" sz="1000" dirty="0" err="1">
+                          <a:highlight>
+                            <a:srgbClr val="00FFFF"/>
+                          </a:highlight>
+                        </a:rPr>
+                        <a:t>Creator</a:t>
+                      </a:r>
+                      <a:endParaRPr lang="es-CO" sz="1000" dirty="0">
+                        <a:highlight>
+                          <a:srgbClr val="00FFFF"/>
+                        </a:highlight>
+                      </a:endParaRPr>
+                    </a:p>
                     <a:p>
                       <a:pPr algn="ctr"/>
                       <a:r>
@@ -17977,20 +18025,20 @@
 </file>
 
 <file path=customXml/item2.xml><?xml version="1.0" encoding="utf-8"?>
+<p:properties xmlns:p="http://schemas.microsoft.com/office/2006/metadata/properties" xmlns:xsi="http://www.w3.org/2001/XMLSchema-instance" xmlns:pc="http://schemas.microsoft.com/office/infopath/2007/PartnerControls">
+  <documentManagement>
+    <_activity xmlns="bdc56f61-abc0-4f7e-bfec-a93ccd1ae886" xsi:nil="true"/>
+  </documentManagement>
+</p:properties>
+</file>
+
+<file path=customXml/item3.xml><?xml version="1.0" encoding="utf-8"?>
 <?mso-contentType ?>
 <FormTemplates xmlns="http://schemas.microsoft.com/sharepoint/v3/contenttype/forms">
   <Display>DocumentLibraryForm</Display>
   <Edit>DocumentLibraryForm</Edit>
   <New>DocumentLibraryForm</New>
 </FormTemplates>
-</file>
-
-<file path=customXml/item3.xml><?xml version="1.0" encoding="utf-8"?>
-<p:properties xmlns:p="http://schemas.microsoft.com/office/2006/metadata/properties" xmlns:xsi="http://www.w3.org/2001/XMLSchema-instance" xmlns:pc="http://schemas.microsoft.com/office/infopath/2007/PartnerControls">
-  <documentManagement>
-    <_activity xmlns="bdc56f61-abc0-4f7e-bfec-a93ccd1ae886" xsi:nil="true"/>
-  </documentManagement>
-</p:properties>
 </file>
 
 <file path=customXml/itemProps1.xml><?xml version="1.0" encoding="utf-8"?>
@@ -18013,14 +18061,6 @@
 </file>
 
 <file path=customXml/itemProps2.xml><?xml version="1.0" encoding="utf-8"?>
-<ds:datastoreItem xmlns:ds="http://schemas.openxmlformats.org/officeDocument/2006/customXml" ds:itemID="{4E8623C8-32E1-48B0-9F0A-13F2E9582B7E}">
-  <ds:schemaRefs>
-    <ds:schemaRef ds:uri="http://schemas.microsoft.com/sharepoint/v3/contenttype/forms"/>
-  </ds:schemaRefs>
-</ds:datastoreItem>
-</file>
-
-<file path=customXml/itemProps3.xml><?xml version="1.0" encoding="utf-8"?>
 <ds:datastoreItem xmlns:ds="http://schemas.openxmlformats.org/officeDocument/2006/customXml" ds:itemID="{0825853C-1B27-4995-A583-4D39F900BB7F}">
   <ds:schemaRefs>
     <ds:schemaRef ds:uri="http://schemas.microsoft.com/office/2006/documentManagement/types"/>
@@ -18035,4 +18075,12 @@
     <ds:schemaRef ds:uri="http://www.w3.org/XML/1998/namespace"/>
   </ds:schemaRefs>
 </ds:datastoreItem>
+</file>
+
+<file path=customXml/itemProps3.xml><?xml version="1.0" encoding="utf-8"?>
+<ds:datastoreItem xmlns:ds="http://schemas.openxmlformats.org/officeDocument/2006/customXml" ds:itemID="{4E8623C8-32E1-48B0-9F0A-13F2E9582B7E}">
+  <ds:schemaRefs>
+    <ds:schemaRef ds:uri="http://schemas.microsoft.com/sharepoint/v3/contenttype/forms"/>
+  </ds:schemaRefs>
+</ds:datastoreItem>
 </file>
--- a/Sesión_0/Sesion_0.pptx
+++ b/Sesión_0/Sesion_0.pptx
@@ -169,7 +169,7 @@
 <file path=ppt/revisionInfo.xml><?xml version="1.0" encoding="utf-8"?>
 <p1510:revInfo xmlns:a="http://schemas.openxmlformats.org/drawingml/2006/main" xmlns:r="http://schemas.openxmlformats.org/officeDocument/2006/relationships" xmlns:p1510="http://schemas.microsoft.com/office/powerpoint/2015/10/main">
   <p1510:revLst>
-    <p1510:client id="{3C960EF9-9F90-4C06-ADB8-88ED32B978A2}" v="7" dt="2025-02-05T17:54:54.883"/>
+    <p1510:client id="{3C960EF9-9F90-4C06-ADB8-88ED32B978A2}" v="8" dt="2025-02-06T17:42:56.347"/>
   </p1510:revLst>
 </p1510:revInfo>
 </file>
@@ -348,22 +348,6 @@
           <pc:docMk/>
           <pc:sldMk cId="0" sldId="261"/>
         </pc:sldMkLst>
-        <pc:spChg chg="mod">
-          <ac:chgData name="JHEYSON FABIAN VILLAVISAN BUITRAGO" userId="e5ced5c2-d787-455d-b115-4f08a699b8c8" providerId="ADAL" clId="{29AE3C56-95F7-4B8B-A3E1-184D660B9D00}" dt="2025-02-04T13:40:15.051" v="22"/>
-          <ac:spMkLst>
-            <pc:docMk/>
-            <pc:sldMk cId="0" sldId="261"/>
-            <ac:spMk id="2" creationId="{B7BBAA63-6E9C-7FD5-350A-58CDC54BCE93}"/>
-          </ac:spMkLst>
-        </pc:spChg>
-        <pc:graphicFrameChg chg="mod">
-          <ac:chgData name="JHEYSON FABIAN VILLAVISAN BUITRAGO" userId="e5ced5c2-d787-455d-b115-4f08a699b8c8" providerId="ADAL" clId="{29AE3C56-95F7-4B8B-A3E1-184D660B9D00}" dt="2025-02-04T14:19:45.992" v="825" actId="20577"/>
-          <ac:graphicFrameMkLst>
-            <pc:docMk/>
-            <pc:sldMk cId="0" sldId="261"/>
-            <ac:graphicFrameMk id="7" creationId="{3B28400A-9287-40BA-9001-2E821D706B4D}"/>
-          </ac:graphicFrameMkLst>
-        </pc:graphicFrameChg>
       </pc:sldChg>
       <pc:sldChg chg="modSp add mod">
         <pc:chgData name="JHEYSON FABIAN VILLAVISAN BUITRAGO" userId="e5ced5c2-d787-455d-b115-4f08a699b8c8" providerId="ADAL" clId="{29AE3C56-95F7-4B8B-A3E1-184D660B9D00}" dt="2025-02-04T14:31:11.579" v="1004" actId="20577"/>
@@ -371,22 +355,6 @@
           <pc:docMk/>
           <pc:sldMk cId="0" sldId="266"/>
         </pc:sldMkLst>
-        <pc:spChg chg="mod">
-          <ac:chgData name="JHEYSON FABIAN VILLAVISAN BUITRAGO" userId="e5ced5c2-d787-455d-b115-4f08a699b8c8" providerId="ADAL" clId="{29AE3C56-95F7-4B8B-A3E1-184D660B9D00}" dt="2025-02-04T14:31:11.579" v="1004" actId="20577"/>
-          <ac:spMkLst>
-            <pc:docMk/>
-            <pc:sldMk cId="0" sldId="266"/>
-            <ac:spMk id="9" creationId="{1DF9086F-7804-4245-BF66-46E11D73F05F}"/>
-          </ac:spMkLst>
-        </pc:spChg>
-        <pc:spChg chg="mod">
-          <ac:chgData name="JHEYSON FABIAN VILLAVISAN BUITRAGO" userId="e5ced5c2-d787-455d-b115-4f08a699b8c8" providerId="ADAL" clId="{29AE3C56-95F7-4B8B-A3E1-184D660B9D00}" dt="2025-02-04T14:27:34.141" v="996" actId="20577"/>
-          <ac:spMkLst>
-            <pc:docMk/>
-            <pc:sldMk cId="0" sldId="266"/>
-            <ac:spMk id="17410" creationId="{B3EF008C-EFA0-44F3-951B-EB1557F44ACC}"/>
-          </ac:spMkLst>
-        </pc:spChg>
       </pc:sldChg>
       <pc:sldChg chg="modSp mod">
         <pc:chgData name="JHEYSON FABIAN VILLAVISAN BUITRAGO" userId="e5ced5c2-d787-455d-b115-4f08a699b8c8" providerId="ADAL" clId="{29AE3C56-95F7-4B8B-A3E1-184D660B9D00}" dt="2025-02-04T14:27:42.659" v="1000" actId="20577"/>
@@ -394,30 +362,6 @@
           <pc:docMk/>
           <pc:sldMk cId="0" sldId="268"/>
         </pc:sldMkLst>
-        <pc:spChg chg="mod">
-          <ac:chgData name="JHEYSON FABIAN VILLAVISAN BUITRAGO" userId="e5ced5c2-d787-455d-b115-4f08a699b8c8" providerId="ADAL" clId="{29AE3C56-95F7-4B8B-A3E1-184D660B9D00}" dt="2025-02-04T13:40:19.948" v="24"/>
-          <ac:spMkLst>
-            <pc:docMk/>
-            <pc:sldMk cId="0" sldId="268"/>
-            <ac:spMk id="2" creationId="{E3039CD5-5EDF-B67E-43E0-6A692B67FA09}"/>
-          </ac:spMkLst>
-        </pc:spChg>
-        <pc:spChg chg="mod">
-          <ac:chgData name="JHEYSON FABIAN VILLAVISAN BUITRAGO" userId="e5ced5c2-d787-455d-b115-4f08a699b8c8" providerId="ADAL" clId="{29AE3C56-95F7-4B8B-A3E1-184D660B9D00}" dt="2025-02-04T13:40:32.453" v="26" actId="20577"/>
-          <ac:spMkLst>
-            <pc:docMk/>
-            <pc:sldMk cId="0" sldId="268"/>
-            <ac:spMk id="3" creationId="{008BB48C-FC05-3615-A776-2D1677A4E9F1}"/>
-          </ac:spMkLst>
-        </pc:spChg>
-        <pc:spChg chg="mod">
-          <ac:chgData name="JHEYSON FABIAN VILLAVISAN BUITRAGO" userId="e5ced5c2-d787-455d-b115-4f08a699b8c8" providerId="ADAL" clId="{29AE3C56-95F7-4B8B-A3E1-184D660B9D00}" dt="2025-02-04T14:27:42.659" v="1000" actId="20577"/>
-          <ac:spMkLst>
-            <pc:docMk/>
-            <pc:sldMk cId="0" sldId="268"/>
-            <ac:spMk id="23554" creationId="{EA98F516-CD1D-4B94-8AAC-2D9EAEE9939C}"/>
-          </ac:spMkLst>
-        </pc:spChg>
       </pc:sldChg>
       <pc:sldChg chg="modSp mod">
         <pc:chgData name="JHEYSON FABIAN VILLAVISAN BUITRAGO" userId="e5ced5c2-d787-455d-b115-4f08a699b8c8" providerId="ADAL" clId="{29AE3C56-95F7-4B8B-A3E1-184D660B9D00}" dt="2025-02-04T13:39:58.014" v="19"/>
@@ -440,22 +384,6 @@
           <pc:docMk/>
           <pc:sldMk cId="2680639377" sldId="275"/>
         </pc:sldMkLst>
-        <pc:spChg chg="mod">
-          <ac:chgData name="JHEYSON FABIAN VILLAVISAN BUITRAGO" userId="e5ced5c2-d787-455d-b115-4f08a699b8c8" providerId="ADAL" clId="{29AE3C56-95F7-4B8B-A3E1-184D660B9D00}" dt="2025-02-04T14:31:09.215" v="1003" actId="20577"/>
-          <ac:spMkLst>
-            <pc:docMk/>
-            <pc:sldMk cId="2680639377" sldId="275"/>
-            <ac:spMk id="9" creationId="{1DF9086F-7804-4245-BF66-46E11D73F05F}"/>
-          </ac:spMkLst>
-        </pc:spChg>
-        <pc:spChg chg="mod">
-          <ac:chgData name="JHEYSON FABIAN VILLAVISAN BUITRAGO" userId="e5ced5c2-d787-455d-b115-4f08a699b8c8" providerId="ADAL" clId="{29AE3C56-95F7-4B8B-A3E1-184D660B9D00}" dt="2025-02-04T14:27:37.416" v="998" actId="20577"/>
-          <ac:spMkLst>
-            <pc:docMk/>
-            <pc:sldMk cId="2680639377" sldId="275"/>
-            <ac:spMk id="17410" creationId="{B3EF008C-EFA0-44F3-951B-EB1557F44ACC}"/>
-          </ac:spMkLst>
-        </pc:spChg>
       </pc:sldChg>
       <pc:sldChg chg="delSp modSp mod">
         <pc:chgData name="JHEYSON FABIAN VILLAVISAN BUITRAGO" userId="e5ced5c2-d787-455d-b115-4f08a699b8c8" providerId="ADAL" clId="{29AE3C56-95F7-4B8B-A3E1-184D660B9D00}" dt="2025-02-04T14:27:40.001" v="999" actId="20577"/>
@@ -463,30 +391,6 @@
           <pc:docMk/>
           <pc:sldMk cId="1955606898" sldId="277"/>
         </pc:sldMkLst>
-        <pc:spChg chg="mod">
-          <ac:chgData name="JHEYSON FABIAN VILLAVISAN BUITRAGO" userId="e5ced5c2-d787-455d-b115-4f08a699b8c8" providerId="ADAL" clId="{29AE3C56-95F7-4B8B-A3E1-184D660B9D00}" dt="2025-02-04T13:40:17.825" v="23"/>
-          <ac:spMkLst>
-            <pc:docMk/>
-            <pc:sldMk cId="1955606898" sldId="277"/>
-            <ac:spMk id="2" creationId="{F5B918F2-F494-3DBB-D058-68F2779A0025}"/>
-          </ac:spMkLst>
-        </pc:spChg>
-        <pc:spChg chg="del mod">
-          <ac:chgData name="JHEYSON FABIAN VILLAVISAN BUITRAGO" userId="e5ced5c2-d787-455d-b115-4f08a699b8c8" providerId="ADAL" clId="{29AE3C56-95F7-4B8B-A3E1-184D660B9D00}" dt="2025-02-04T14:23:13.546" v="827" actId="478"/>
-          <ac:spMkLst>
-            <pc:docMk/>
-            <pc:sldMk cId="1955606898" sldId="277"/>
-            <ac:spMk id="12" creationId="{B4336C17-6123-3859-97BF-FC6F99A43B32}"/>
-          </ac:spMkLst>
-        </pc:spChg>
-        <pc:spChg chg="mod">
-          <ac:chgData name="JHEYSON FABIAN VILLAVISAN BUITRAGO" userId="e5ced5c2-d787-455d-b115-4f08a699b8c8" providerId="ADAL" clId="{29AE3C56-95F7-4B8B-A3E1-184D660B9D00}" dt="2025-02-04T14:27:40.001" v="999" actId="20577"/>
-          <ac:spMkLst>
-            <pc:docMk/>
-            <pc:sldMk cId="1955606898" sldId="277"/>
-            <ac:spMk id="21506" creationId="{974AAA16-E8D7-47E1-ABBC-3CB9C4D3BD82}"/>
-          </ac:spMkLst>
-        </pc:spChg>
       </pc:sldChg>
       <pc:sldChg chg="modSp mod">
         <pc:chgData name="JHEYSON FABIAN VILLAVISAN BUITRAGO" userId="e5ced5c2-d787-455d-b115-4f08a699b8c8" providerId="ADAL" clId="{29AE3C56-95F7-4B8B-A3E1-184D660B9D00}" dt="2025-02-04T13:40:01.726" v="20"/>
@@ -494,14 +398,6 @@
           <pc:docMk/>
           <pc:sldMk cId="214171354" sldId="278"/>
         </pc:sldMkLst>
-        <pc:spChg chg="mod">
-          <ac:chgData name="JHEYSON FABIAN VILLAVISAN BUITRAGO" userId="e5ced5c2-d787-455d-b115-4f08a699b8c8" providerId="ADAL" clId="{29AE3C56-95F7-4B8B-A3E1-184D660B9D00}" dt="2025-02-04T13:40:01.726" v="20"/>
-          <ac:spMkLst>
-            <pc:docMk/>
-            <pc:sldMk cId="214171354" sldId="278"/>
-            <ac:spMk id="5" creationId="{DA8BB1D7-DBA8-5CD6-CAAC-0581D75A6D40}"/>
-          </ac:spMkLst>
-        </pc:spChg>
       </pc:sldChg>
       <pc:sldChg chg="addSp modSp mod">
         <pc:chgData name="JHEYSON FABIAN VILLAVISAN BUITRAGO" userId="e5ced5c2-d787-455d-b115-4f08a699b8c8" providerId="ADAL" clId="{29AE3C56-95F7-4B8B-A3E1-184D660B9D00}" dt="2025-02-04T14:46:47.942" v="1030" actId="20577"/>
@@ -509,38 +405,6 @@
           <pc:docMk/>
           <pc:sldMk cId="2965408220" sldId="280"/>
         </pc:sldMkLst>
-        <pc:spChg chg="add mod">
-          <ac:chgData name="JHEYSON FABIAN VILLAVISAN BUITRAGO" userId="e5ced5c2-d787-455d-b115-4f08a699b8c8" providerId="ADAL" clId="{29AE3C56-95F7-4B8B-A3E1-184D660B9D00}" dt="2025-02-04T14:26:43.825" v="991" actId="13926"/>
-          <ac:spMkLst>
-            <pc:docMk/>
-            <pc:sldMk cId="2965408220" sldId="280"/>
-            <ac:spMk id="2" creationId="{DC12FCB8-0305-E041-1893-DDFE85DEBAFF}"/>
-          </ac:spMkLst>
-        </pc:spChg>
-        <pc:spChg chg="mod">
-          <ac:chgData name="JHEYSON FABIAN VILLAVISAN BUITRAGO" userId="e5ced5c2-d787-455d-b115-4f08a699b8c8" providerId="ADAL" clId="{29AE3C56-95F7-4B8B-A3E1-184D660B9D00}" dt="2025-02-04T14:24:20.908" v="852" actId="20577"/>
-          <ac:spMkLst>
-            <pc:docMk/>
-            <pc:sldMk cId="2965408220" sldId="280"/>
-            <ac:spMk id="8" creationId="{5932E3F1-24A7-A01F-0773-6237BD556E80}"/>
-          </ac:spMkLst>
-        </pc:spChg>
-        <pc:spChg chg="mod">
-          <ac:chgData name="JHEYSON FABIAN VILLAVISAN BUITRAGO" userId="e5ced5c2-d787-455d-b115-4f08a699b8c8" providerId="ADAL" clId="{29AE3C56-95F7-4B8B-A3E1-184D660B9D00}" dt="2025-02-04T13:40:04.920" v="21"/>
-          <ac:spMkLst>
-            <pc:docMk/>
-            <pc:sldMk cId="2965408220" sldId="280"/>
-            <ac:spMk id="9" creationId="{79EF761A-FEAD-D9F3-BD56-49599C4CE1E2}"/>
-          </ac:spMkLst>
-        </pc:spChg>
-        <pc:graphicFrameChg chg="mod modGraphic">
-          <ac:chgData name="JHEYSON FABIAN VILLAVISAN BUITRAGO" userId="e5ced5c2-d787-455d-b115-4f08a699b8c8" providerId="ADAL" clId="{29AE3C56-95F7-4B8B-A3E1-184D660B9D00}" dt="2025-02-04T14:46:47.942" v="1030" actId="20577"/>
-          <ac:graphicFrameMkLst>
-            <pc:docMk/>
-            <pc:sldMk cId="2965408220" sldId="280"/>
-            <ac:graphicFrameMk id="6" creationId="{D45444DB-DE93-829B-F32A-C3FB962F868B}"/>
-          </ac:graphicFrameMkLst>
-        </pc:graphicFrameChg>
       </pc:sldChg>
     </pc:docChg>
   </pc:docChgLst>
@@ -584,7 +448,7 @@
   <pc:docChgLst>
     <pc:chgData name="JHEYSON FABIAN VILLAVISAN BUITRAGO" userId="e5ced5c2-d787-455d-b115-4f08a699b8c8" providerId="ADAL" clId="{3C960EF9-9F90-4C06-ADB8-88ED32B978A2}"/>
     <pc:docChg chg="undo custSel addSld delSld modSld sldOrd modSection">
-      <pc:chgData name="JHEYSON FABIAN VILLAVISAN BUITRAGO" userId="e5ced5c2-d787-455d-b115-4f08a699b8c8" providerId="ADAL" clId="{3C960EF9-9F90-4C06-ADB8-88ED32B978A2}" dt="2025-02-05T17:54:54.882" v="1063"/>
+      <pc:chgData name="JHEYSON FABIAN VILLAVISAN BUITRAGO" userId="e5ced5c2-d787-455d-b115-4f08a699b8c8" providerId="ADAL" clId="{3C960EF9-9F90-4C06-ADB8-88ED32B978A2}" dt="2025-02-07T01:12:53.305" v="1070" actId="20577"/>
       <pc:docMkLst>
         <pc:docMk/>
       </pc:docMkLst>
@@ -615,28 +479,12 @@
           <pc:docMk/>
           <pc:sldMk cId="3709177429" sldId="274"/>
         </pc:sldMkLst>
-        <pc:spChg chg="del">
-          <ac:chgData name="JHEYSON FABIAN VILLAVISAN BUITRAGO" userId="e5ced5c2-d787-455d-b115-4f08a699b8c8" providerId="ADAL" clId="{3C960EF9-9F90-4C06-ADB8-88ED32B978A2}" dt="2025-02-04T15:24:50.095" v="6" actId="478"/>
-          <ac:spMkLst>
-            <pc:docMk/>
-            <pc:sldMk cId="3709177429" sldId="274"/>
-            <ac:spMk id="3" creationId="{4F1F9CC3-49B8-41A8-9878-3805D57595F8}"/>
-          </ac:spMkLst>
-        </pc:spChg>
         <pc:spChg chg="mod">
           <ac:chgData name="JHEYSON FABIAN VILLAVISAN BUITRAGO" userId="e5ced5c2-d787-455d-b115-4f08a699b8c8" providerId="ADAL" clId="{3C960EF9-9F90-4C06-ADB8-88ED32B978A2}" dt="2025-02-04T15:35:56.893" v="483" actId="404"/>
           <ac:spMkLst>
             <pc:docMk/>
             <pc:sldMk cId="3709177429" sldId="274"/>
             <ac:spMk id="4" creationId="{2C7E43D4-8286-4BEE-907B-3A35AE701C90}"/>
-          </ac:spMkLst>
-        </pc:spChg>
-        <pc:spChg chg="add del mod">
-          <ac:chgData name="JHEYSON FABIAN VILLAVISAN BUITRAGO" userId="e5ced5c2-d787-455d-b115-4f08a699b8c8" providerId="ADAL" clId="{3C960EF9-9F90-4C06-ADB8-88ED32B978A2}" dt="2025-02-04T15:24:51.965" v="7" actId="478"/>
-          <ac:spMkLst>
-            <pc:docMk/>
-            <pc:sldMk cId="3709177429" sldId="274"/>
-            <ac:spMk id="8" creationId="{E62122D8-BCFD-40AB-53B0-C29737D4FCFA}"/>
           </ac:spMkLst>
         </pc:spChg>
         <pc:spChg chg="mod">
@@ -647,14 +495,6 @@
             <ac:spMk id="10" creationId="{AF4E183E-A171-4923-A99E-D149888CEC37}"/>
           </ac:spMkLst>
         </pc:spChg>
-        <pc:picChg chg="del">
-          <ac:chgData name="JHEYSON FABIAN VILLAVISAN BUITRAGO" userId="e5ced5c2-d787-455d-b115-4f08a699b8c8" providerId="ADAL" clId="{3C960EF9-9F90-4C06-ADB8-88ED32B978A2}" dt="2025-02-04T15:24:53.321" v="8" actId="478"/>
-          <ac:picMkLst>
-            <pc:docMk/>
-            <pc:sldMk cId="3709177429" sldId="274"/>
-            <ac:picMk id="9" creationId="{2BCDCF25-80B5-4CA1-B1B6-1C7F924229A5}"/>
-          </ac:picMkLst>
-        </pc:picChg>
       </pc:sldChg>
       <pc:sldChg chg="del">
         <pc:chgData name="JHEYSON FABIAN VILLAVISAN BUITRAGO" userId="e5ced5c2-d787-455d-b115-4f08a699b8c8" providerId="ADAL" clId="{3C960EF9-9F90-4C06-ADB8-88ED32B978A2}" dt="2025-02-04T15:25:39.368" v="106" actId="47"/>
@@ -678,13 +518,13 @@
         </pc:sldMkLst>
       </pc:sldChg>
       <pc:sldChg chg="modSp add del mod ord">
-        <pc:chgData name="JHEYSON FABIAN VILLAVISAN BUITRAGO" userId="e5ced5c2-d787-455d-b115-4f08a699b8c8" providerId="ADAL" clId="{3C960EF9-9F90-4C06-ADB8-88ED32B978A2}" dt="2025-02-05T17:54:54.882" v="1063"/>
+        <pc:chgData name="JHEYSON FABIAN VILLAVISAN BUITRAGO" userId="e5ced5c2-d787-455d-b115-4f08a699b8c8" providerId="ADAL" clId="{3C960EF9-9F90-4C06-ADB8-88ED32B978A2}" dt="2025-02-06T17:42:58.025" v="1066" actId="20577"/>
         <pc:sldMkLst>
           <pc:docMk/>
           <pc:sldMk cId="2965408220" sldId="280"/>
         </pc:sldMkLst>
         <pc:spChg chg="mod">
-          <ac:chgData name="JHEYSON FABIAN VILLAVISAN BUITRAGO" userId="e5ced5c2-d787-455d-b115-4f08a699b8c8" providerId="ADAL" clId="{3C960EF9-9F90-4C06-ADB8-88ED32B978A2}" dt="2025-02-04T15:24:27.738" v="4" actId="20577"/>
+          <ac:chgData name="JHEYSON FABIAN VILLAVISAN BUITRAGO" userId="e5ced5c2-d787-455d-b115-4f08a699b8c8" providerId="ADAL" clId="{3C960EF9-9F90-4C06-ADB8-88ED32B978A2}" dt="2025-02-06T17:42:58.025" v="1066" actId="20577"/>
           <ac:spMkLst>
             <pc:docMk/>
             <pc:sldMk cId="2965408220" sldId="280"/>
@@ -693,13 +533,13 @@
         </pc:spChg>
       </pc:sldChg>
       <pc:sldChg chg="delSp modSp add mod">
-        <pc:chgData name="JHEYSON FABIAN VILLAVISAN BUITRAGO" userId="e5ced5c2-d787-455d-b115-4f08a699b8c8" providerId="ADAL" clId="{3C960EF9-9F90-4C06-ADB8-88ED32B978A2}" dt="2025-02-04T15:38:32.251" v="580" actId="20577"/>
+        <pc:chgData name="JHEYSON FABIAN VILLAVISAN BUITRAGO" userId="e5ced5c2-d787-455d-b115-4f08a699b8c8" providerId="ADAL" clId="{3C960EF9-9F90-4C06-ADB8-88ED32B978A2}" dt="2025-02-07T01:12:53.305" v="1070" actId="20577"/>
         <pc:sldMkLst>
           <pc:docMk/>
           <pc:sldMk cId="2753606348" sldId="281"/>
         </pc:sldMkLst>
         <pc:spChg chg="mod">
-          <ac:chgData name="JHEYSON FABIAN VILLAVISAN BUITRAGO" userId="e5ced5c2-d787-455d-b115-4f08a699b8c8" providerId="ADAL" clId="{3C960EF9-9F90-4C06-ADB8-88ED32B978A2}" dt="2025-02-04T15:36:41.854" v="511" actId="1076"/>
+          <ac:chgData name="JHEYSON FABIAN VILLAVISAN BUITRAGO" userId="e5ced5c2-d787-455d-b115-4f08a699b8c8" providerId="ADAL" clId="{3C960EF9-9F90-4C06-ADB8-88ED32B978A2}" dt="2025-02-07T01:12:53.305" v="1070" actId="20577"/>
           <ac:spMkLst>
             <pc:docMk/>
             <pc:sldMk cId="2753606348" sldId="281"/>
@@ -722,14 +562,6 @@
             <ac:spMk id="10" creationId="{F33C249C-1126-8114-6B8D-5DA810FF3103}"/>
           </ac:spMkLst>
         </pc:spChg>
-        <pc:picChg chg="del">
-          <ac:chgData name="JHEYSON FABIAN VILLAVISAN BUITRAGO" userId="e5ced5c2-d787-455d-b115-4f08a699b8c8" providerId="ADAL" clId="{3C960EF9-9F90-4C06-ADB8-88ED32B978A2}" dt="2025-02-04T15:26:34.048" v="133" actId="478"/>
-          <ac:picMkLst>
-            <pc:docMk/>
-            <pc:sldMk cId="2753606348" sldId="281"/>
-            <ac:picMk id="6" creationId="{BF3C281F-9B6B-B7F5-5F5E-E08BFF55851C}"/>
-          </ac:picMkLst>
-        </pc:picChg>
       </pc:sldChg>
       <pc:sldChg chg="addSp modSp add mod">
         <pc:chgData name="JHEYSON FABIAN VILLAVISAN BUITRAGO" userId="e5ced5c2-d787-455d-b115-4f08a699b8c8" providerId="ADAL" clId="{3C960EF9-9F90-4C06-ADB8-88ED32B978A2}" dt="2025-02-04T15:56:44.871" v="944" actId="113"/>
@@ -833,7 +665,7 @@
         </pc:spChg>
       </pc:sldChg>
       <pc:sldChg chg="addSp delSp modSp add mod">
-        <pc:chgData name="JHEYSON FABIAN VILLAVISAN BUITRAGO" userId="e5ced5c2-d787-455d-b115-4f08a699b8c8" providerId="ADAL" clId="{3C960EF9-9F90-4C06-ADB8-88ED32B978A2}" dt="2025-02-04T15:59:24.826" v="1061" actId="113"/>
+        <pc:chgData name="JHEYSON FABIAN VILLAVISAN BUITRAGO" userId="e5ced5c2-d787-455d-b115-4f08a699b8c8" providerId="ADAL" clId="{3C960EF9-9F90-4C06-ADB8-88ED32B978A2}" dt="2025-02-06T21:28:54.364" v="1068" actId="20577"/>
         <pc:sldMkLst>
           <pc:docMk/>
           <pc:sldMk cId="943304343" sldId="285"/>
@@ -846,28 +678,12 @@
             <ac:spMk id="2" creationId="{05270885-CB56-64D1-B67D-42F22CDA5CA8}"/>
           </ac:spMkLst>
         </pc:spChg>
-        <pc:spChg chg="del">
-          <ac:chgData name="JHEYSON FABIAN VILLAVISAN BUITRAGO" userId="e5ced5c2-d787-455d-b115-4f08a699b8c8" providerId="ADAL" clId="{3C960EF9-9F90-4C06-ADB8-88ED32B978A2}" dt="2025-02-04T15:55:29.460" v="941" actId="478"/>
-          <ac:spMkLst>
-            <pc:docMk/>
-            <pc:sldMk cId="943304343" sldId="285"/>
-            <ac:spMk id="3" creationId="{2C8826FF-9C7E-D9DA-8149-C1FE1495A616}"/>
-          </ac:spMkLst>
-        </pc:spChg>
         <pc:spChg chg="add del mod">
-          <ac:chgData name="JHEYSON FABIAN VILLAVISAN BUITRAGO" userId="e5ced5c2-d787-455d-b115-4f08a699b8c8" providerId="ADAL" clId="{3C960EF9-9F90-4C06-ADB8-88ED32B978A2}" dt="2025-02-04T15:59:24.826" v="1061" actId="113"/>
+          <ac:chgData name="JHEYSON FABIAN VILLAVISAN BUITRAGO" userId="e5ced5c2-d787-455d-b115-4f08a699b8c8" providerId="ADAL" clId="{3C960EF9-9F90-4C06-ADB8-88ED32B978A2}" dt="2025-02-06T21:28:54.364" v="1068" actId="20577"/>
           <ac:spMkLst>
             <pc:docMk/>
             <pc:sldMk cId="943304343" sldId="285"/>
             <ac:spMk id="4" creationId="{94AC859E-EEF1-6F2B-0BC9-1EB7422DE145}"/>
-          </ac:spMkLst>
-        </pc:spChg>
-        <pc:spChg chg="add mod">
-          <ac:chgData name="JHEYSON FABIAN VILLAVISAN BUITRAGO" userId="e5ced5c2-d787-455d-b115-4f08a699b8c8" providerId="ADAL" clId="{3C960EF9-9F90-4C06-ADB8-88ED32B978A2}" dt="2025-02-04T15:46:04.708" v="643"/>
-          <ac:spMkLst>
-            <pc:docMk/>
-            <pc:sldMk cId="943304343" sldId="285"/>
-            <ac:spMk id="6" creationId="{7E2E0811-C2F0-CC38-6B0A-34D6B851834F}"/>
           </ac:spMkLst>
         </pc:spChg>
         <pc:spChg chg="mod">
@@ -931,30 +747,6 @@
           <pc:docMk/>
           <pc:sldMk cId="2965408220" sldId="280"/>
         </pc:sldMkLst>
-        <pc:spChg chg="mod">
-          <ac:chgData name="JHEYSON FABIAN VILLAVISAN BUITRAGO" userId="e5ced5c2-d787-455d-b115-4f08a699b8c8" providerId="ADAL" clId="{F051727E-E815-4CBA-87EC-595602D579B3}" dt="2025-01-04T00:02:04.383" v="454" actId="1076"/>
-          <ac:spMkLst>
-            <pc:docMk/>
-            <pc:sldMk cId="2965408220" sldId="280"/>
-            <ac:spMk id="8" creationId="{5932E3F1-24A7-A01F-0773-6237BD556E80}"/>
-          </ac:spMkLst>
-        </pc:spChg>
-        <pc:graphicFrameChg chg="mod modGraphic">
-          <ac:chgData name="JHEYSON FABIAN VILLAVISAN BUITRAGO" userId="e5ced5c2-d787-455d-b115-4f08a699b8c8" providerId="ADAL" clId="{F051727E-E815-4CBA-87EC-595602D579B3}" dt="2025-01-14T00:20:48.181" v="475" actId="20577"/>
-          <ac:graphicFrameMkLst>
-            <pc:docMk/>
-            <pc:sldMk cId="2965408220" sldId="280"/>
-            <ac:graphicFrameMk id="6" creationId="{D45444DB-DE93-829B-F32A-C3FB962F868B}"/>
-          </ac:graphicFrameMkLst>
-        </pc:graphicFrameChg>
-        <pc:picChg chg="mod">
-          <ac:chgData name="JHEYSON FABIAN VILLAVISAN BUITRAGO" userId="e5ced5c2-d787-455d-b115-4f08a699b8c8" providerId="ADAL" clId="{F051727E-E815-4CBA-87EC-595602D579B3}" dt="2025-01-04T00:02:11.213" v="455" actId="14100"/>
-          <ac:picMkLst>
-            <pc:docMk/>
-            <pc:sldMk cId="2965408220" sldId="280"/>
-            <ac:picMk id="4" creationId="{F6C827CA-8E86-44AB-5043-B6D399FFB89D}"/>
-          </ac:picMkLst>
-        </pc:picChg>
       </pc:sldChg>
     </pc:docChg>
   </pc:docChgLst>
@@ -1259,7 +1051,7 @@
               <a:pPr>
                 <a:defRPr/>
               </a:pPr>
-              <a:t>5/02/2025</a:t>
+              <a:t>6/02/2025</a:t>
             </a:fld>
             <a:endParaRPr lang="es-CO"/>
           </a:p>
@@ -1502,7 +1294,7 @@
               <a:pPr>
                 <a:defRPr/>
               </a:pPr>
-              <a:t>5/02/2025</a:t>
+              <a:t>6/02/2025</a:t>
             </a:fld>
             <a:endParaRPr lang="es-CO"/>
           </a:p>
@@ -2578,7 +2370,7 @@
           <a:p>
             <a:fld id="{9CF7635E-2D71-42E7-9E6C-FBB85A15A85F}" type="datetimeFigureOut">
               <a:rPr lang="es-CO" smtClean="0"/>
-              <a:t>5/02/2025</a:t>
+              <a:t>6/02/2025</a:t>
             </a:fld>
             <a:endParaRPr lang="es-CO"/>
           </a:p>
@@ -2844,7 +2636,7 @@
           <a:p>
             <a:fld id="{9CF7635E-2D71-42E7-9E6C-FBB85A15A85F}" type="datetimeFigureOut">
               <a:rPr lang="es-CO" smtClean="0"/>
-              <a:t>5/02/2025</a:t>
+              <a:t>6/02/2025</a:t>
             </a:fld>
             <a:endParaRPr lang="es-CO"/>
           </a:p>
@@ -3060,7 +2852,7 @@
           <a:p>
             <a:fld id="{9CF7635E-2D71-42E7-9E6C-FBB85A15A85F}" type="datetimeFigureOut">
               <a:rPr lang="es-CO" smtClean="0"/>
-              <a:t>5/02/2025</a:t>
+              <a:t>6/02/2025</a:t>
             </a:fld>
             <a:endParaRPr lang="es-CO"/>
           </a:p>
@@ -4689,7 +4481,7 @@
           <a:p>
             <a:fld id="{9CF7635E-2D71-42E7-9E6C-FBB85A15A85F}" type="datetimeFigureOut">
               <a:rPr lang="es-CO" smtClean="0"/>
-              <a:t>5/02/2025</a:t>
+              <a:t>6/02/2025</a:t>
             </a:fld>
             <a:endParaRPr lang="es-CO"/>
           </a:p>
@@ -5136,7 +4928,7 @@
           <a:p>
             <a:fld id="{9CF7635E-2D71-42E7-9E6C-FBB85A15A85F}" type="datetimeFigureOut">
               <a:rPr lang="es-CO" smtClean="0"/>
-              <a:t>5/02/2025</a:t>
+              <a:t>6/02/2025</a:t>
             </a:fld>
             <a:endParaRPr lang="es-CO"/>
           </a:p>
@@ -5410,7 +5202,7 @@
           <a:p>
             <a:fld id="{9CF7635E-2D71-42E7-9E6C-FBB85A15A85F}" type="datetimeFigureOut">
               <a:rPr lang="es-CO" smtClean="0"/>
-              <a:t>5/02/2025</a:t>
+              <a:t>6/02/2025</a:t>
             </a:fld>
             <a:endParaRPr lang="es-CO"/>
           </a:p>
@@ -5831,7 +5623,7 @@
           <a:p>
             <a:fld id="{9CF7635E-2D71-42E7-9E6C-FBB85A15A85F}" type="datetimeFigureOut">
               <a:rPr lang="es-CO" smtClean="0"/>
-              <a:t>5/02/2025</a:t>
+              <a:t>6/02/2025</a:t>
             </a:fld>
             <a:endParaRPr lang="es-CO"/>
           </a:p>
@@ -5979,7 +5771,7 @@
           <a:p>
             <a:fld id="{9CF7635E-2D71-42E7-9E6C-FBB85A15A85F}" type="datetimeFigureOut">
               <a:rPr lang="es-CO" smtClean="0"/>
-              <a:t>5/02/2025</a:t>
+              <a:t>6/02/2025</a:t>
             </a:fld>
             <a:endParaRPr lang="es-CO"/>
           </a:p>
@@ -6098,7 +5890,7 @@
           <a:p>
             <a:fld id="{9CF7635E-2D71-42E7-9E6C-FBB85A15A85F}" type="datetimeFigureOut">
               <a:rPr lang="es-CO" smtClean="0"/>
-              <a:t>5/02/2025</a:t>
+              <a:t>6/02/2025</a:t>
             </a:fld>
             <a:endParaRPr lang="es-CO"/>
           </a:p>
@@ -6417,7 +6209,7 @@
           <a:p>
             <a:fld id="{9CF7635E-2D71-42E7-9E6C-FBB85A15A85F}" type="datetimeFigureOut">
               <a:rPr lang="es-CO" smtClean="0"/>
-              <a:t>5/02/2025</a:t>
+              <a:t>6/02/2025</a:t>
             </a:fld>
             <a:endParaRPr lang="es-CO"/>
           </a:p>
@@ -6712,7 +6504,7 @@
           <a:p>
             <a:fld id="{9CF7635E-2D71-42E7-9E6C-FBB85A15A85F}" type="datetimeFigureOut">
               <a:rPr lang="es-CO" smtClean="0"/>
-              <a:t>5/02/2025</a:t>
+              <a:t>6/02/2025</a:t>
             </a:fld>
             <a:endParaRPr lang="es-CO"/>
           </a:p>
@@ -6961,7 +6753,7 @@
           <a:p>
             <a:fld id="{9CF7635E-2D71-42E7-9E6C-FBB85A15A85F}" type="datetimeFigureOut">
               <a:rPr lang="es-CO" smtClean="0"/>
-              <a:t>5/02/2025</a:t>
+              <a:t>6/02/2025</a:t>
             </a:fld>
             <a:endParaRPr lang="es-CO"/>
           </a:p>
@@ -8591,7 +8383,7 @@
         </p:nvGraphicFramePr>
         <p:xfrm>
           <a:off x="863588" y="620688"/>
-          <a:ext cx="7416824" cy="5483937"/>
+          <a:ext cx="7416824" cy="5636337"/>
         </p:xfrm>
         <a:graphic>
           <a:graphicData uri="http://schemas.openxmlformats.org/drawingml/2006/table">
@@ -9438,8 +9230,56 @@
                             <a:srgbClr val="00FFFF"/>
                           </a:highlight>
                         </a:rPr>
-                        <a:t>GPIO y sistemas Lógico - combinacionales</a:t>
+                        <a:t>GPIO y sistemas Lógico – combinacionales</a:t>
                       </a:r>
+                    </a:p>
+                    <a:p>
+                      <a:pPr marL="0" marR="0" lvl="0" indent="0" algn="ctr" defTabSz="685800" rtl="0" eaLnBrk="1" fontAlgn="auto" latinLnBrk="0" hangingPunct="1">
+                        <a:lnSpc>
+                          <a:spcPct val="100000"/>
+                        </a:lnSpc>
+                        <a:spcBef>
+                          <a:spcPts val="0"/>
+                        </a:spcBef>
+                        <a:spcAft>
+                          <a:spcPts val="0"/>
+                        </a:spcAft>
+                        <a:buClrTx/>
+                        <a:buSzTx/>
+                        <a:buFontTx/>
+                        <a:buNone/>
+                        <a:tabLst/>
+                        <a:defRPr/>
+                      </a:pPr>
+                      <a:r>
+                        <a:rPr lang="es-CO" sz="1000" dirty="0" err="1">
+                          <a:highlight>
+                            <a:srgbClr val="00FFFF"/>
+                          </a:highlight>
+                        </a:rPr>
+                        <a:t>Debouncer</a:t>
+                      </a:r>
+                      <a:r>
+                        <a:rPr lang="es-CO" sz="1000" dirty="0">
+                          <a:highlight>
+                            <a:srgbClr val="00FFFF"/>
+                          </a:highlight>
+                        </a:rPr>
+                        <a:t> y </a:t>
+                      </a:r>
+                      <a:r>
+                        <a:rPr lang="es-CO" sz="1000" dirty="0" err="1">
+                          <a:highlight>
+                            <a:srgbClr val="00FFFF"/>
+                          </a:highlight>
+                        </a:rPr>
+                        <a:t>Debugging</a:t>
+                      </a:r>
+                      <a:endParaRPr lang="es-CO" sz="1000" dirty="0">
+                        <a:highlight>
+                          <a:srgbClr val="00FFFF"/>
+                        </a:highlight>
+                      </a:endParaRPr>
                     </a:p>
                   </a:txBody>
                   <a:tcPr>
@@ -9926,7 +9766,7 @@
                       <a:pPr algn="ctr"/>
                       <a:r>
                         <a:rPr lang="es-ES" sz="1000" dirty="0"/>
-                        <a:t>Interrupciones Internas y Externas</a:t>
+                        <a:t>Interrupciones Internas y EEPROM</a:t>
                       </a:r>
                     </a:p>
                   </a:txBody>
@@ -12016,8 +11856,8 @@
         </p:nvSpPr>
         <p:spPr>
           <a:xfrm>
-            <a:off x="611560" y="5926708"/>
-            <a:ext cx="8064896" cy="523220"/>
+            <a:off x="415831" y="6228844"/>
+            <a:ext cx="8064896" cy="738664"/>
           </a:xfrm>
           <a:prstGeom prst="rect">
             <a:avLst/>
@@ -12146,7 +11986,23 @@
                   <a:srgbClr val="00FFFF"/>
                 </a:highlight>
               </a:rPr>
-              <a:t> 5LP</a:t>
+              <a:t> 5LP (Se requieren materiales como leds </a:t>
+            </a:r>
+            <a:r>
+              <a:rPr lang="es-CO" sz="1400" dirty="0" err="1">
+                <a:highlight>
+                  <a:srgbClr val="00FFFF"/>
+                </a:highlight>
+              </a:rPr>
+              <a:t>etc</a:t>
+            </a:r>
+            <a:r>
+              <a:rPr lang="es-CO" sz="1400" dirty="0">
+                <a:highlight>
+                  <a:srgbClr val="00FFFF"/>
+                </a:highlight>
+              </a:rPr>
+              <a:t>)</a:t>
             </a:r>
           </a:p>
           <a:p>
@@ -12190,6 +12046,13 @@
               </a:rPr>
               <a:t> 2</a:t>
             </a:r>
+          </a:p>
+          <a:p>
+            <a:endParaRPr lang="es-CO" sz="1400" dirty="0">
+              <a:highlight>
+                <a:srgbClr val="FF00FF"/>
+              </a:highlight>
+            </a:endParaRPr>
           </a:p>
         </p:txBody>
       </p:sp>
@@ -16421,22 +16284,16 @@
               <a:t>HelloWorld.ipynb</a:t>
             </a:r>
             <a:r>
+              <a:rPr lang="en-US" sz="2000" b="1">
+                <a:latin typeface="+mj-lt"/>
+              </a:rPr>
+              <a:t> has </a:t>
+            </a:r>
+            <a:r>
               <a:rPr lang="en-US" sz="2000" b="1" dirty="0">
                 <a:latin typeface="+mj-lt"/>
               </a:rPr>
-              <a:t> </a:t>
-            </a:r>
-            <a:r>
-              <a:rPr lang="en-US" sz="2000" b="1" dirty="0" err="1">
-                <a:latin typeface="+mj-lt"/>
-              </a:rPr>
-              <a:t>han</a:t>
-            </a:r>
-            <a:r>
-              <a:rPr lang="en-US" sz="2000" b="1" dirty="0">
-                <a:latin typeface="+mj-lt"/>
-              </a:rPr>
-              <a:t> not generated any file</a:t>
+              <a:t>not generated any file</a:t>
             </a:r>
           </a:p>
         </p:txBody>
@@ -17790,6 +17647,14 @@
 </file>
 
 <file path=customXml/item1.xml><?xml version="1.0" encoding="utf-8"?>
+<p:properties xmlns:p="http://schemas.microsoft.com/office/2006/metadata/properties" xmlns:xsi="http://www.w3.org/2001/XMLSchema-instance" xmlns:pc="http://schemas.microsoft.com/office/infopath/2007/PartnerControls">
+  <documentManagement>
+    <_activity xmlns="bdc56f61-abc0-4f7e-bfec-a93ccd1ae886" xsi:nil="true"/>
+  </documentManagement>
+</p:properties>
+</file>
+
+<file path=customXml/item2.xml><?xml version="1.0" encoding="utf-8"?>
 <ct:contentTypeSchema xmlns:ct="http://schemas.microsoft.com/office/2006/metadata/contentType" xmlns:ma="http://schemas.microsoft.com/office/2006/metadata/properties/metaAttributes" ct:_="" ma:_="" ma:contentTypeName="Documento" ma:contentTypeID="0x0101007A62137D465CE64A8C883A4664514BF8" ma:contentTypeVersion="15" ma:contentTypeDescription="Crear nuevo documento." ma:contentTypeScope="" ma:versionID="a1bd1d59f691eb9bca6952b111268275">
   <xsd:schema xmlns:xsd="http://www.w3.org/2001/XMLSchema" xmlns:xs="http://www.w3.org/2001/XMLSchema" xmlns:p="http://schemas.microsoft.com/office/2006/metadata/properties" xmlns:ns3="669280c1-d17e-4d1d-bd7f-b4f14cc6bf1d" xmlns:ns4="bdc56f61-abc0-4f7e-bfec-a93ccd1ae886" targetNamespace="http://schemas.microsoft.com/office/2006/metadata/properties" ma:root="true" ma:fieldsID="d02990a02f19f0f9fc7b999b1809cae4" ns3:_="" ns4:_="">
     <xsd:import namespace="669280c1-d17e-4d1d-bd7f-b4f14cc6bf1d"/>
@@ -18024,14 +17889,6 @@
 </ct:contentTypeSchema>
 </file>
 
-<file path=customXml/item2.xml><?xml version="1.0" encoding="utf-8"?>
-<p:properties xmlns:p="http://schemas.microsoft.com/office/2006/metadata/properties" xmlns:xsi="http://www.w3.org/2001/XMLSchema-instance" xmlns:pc="http://schemas.microsoft.com/office/infopath/2007/PartnerControls">
-  <documentManagement>
-    <_activity xmlns="bdc56f61-abc0-4f7e-bfec-a93ccd1ae886" xsi:nil="true"/>
-  </documentManagement>
-</p:properties>
-</file>
-
 <file path=customXml/item3.xml><?xml version="1.0" encoding="utf-8"?>
 <?mso-contentType ?>
 <FormTemplates xmlns="http://schemas.microsoft.com/sharepoint/v3/contenttype/forms">
@@ -18042,6 +17899,23 @@
 </file>
 
 <file path=customXml/itemProps1.xml><?xml version="1.0" encoding="utf-8"?>
+<ds:datastoreItem xmlns:ds="http://schemas.openxmlformats.org/officeDocument/2006/customXml" ds:itemID="{0825853C-1B27-4995-A583-4D39F900BB7F}">
+  <ds:schemaRefs>
+    <ds:schemaRef ds:uri="http://schemas.microsoft.com/office/2006/documentManagement/types"/>
+    <ds:schemaRef ds:uri="http://purl.org/dc/dcmitype/"/>
+    <ds:schemaRef ds:uri="http://schemas.openxmlformats.org/package/2006/metadata/core-properties"/>
+    <ds:schemaRef ds:uri="669280c1-d17e-4d1d-bd7f-b4f14cc6bf1d"/>
+    <ds:schemaRef ds:uri="http://purl.org/dc/elements/1.1/"/>
+    <ds:schemaRef ds:uri="http://purl.org/dc/terms/"/>
+    <ds:schemaRef ds:uri="http://schemas.microsoft.com/office/infopath/2007/PartnerControls"/>
+    <ds:schemaRef ds:uri="bdc56f61-abc0-4f7e-bfec-a93ccd1ae886"/>
+    <ds:schemaRef ds:uri="http://schemas.microsoft.com/office/2006/metadata/properties"/>
+    <ds:schemaRef ds:uri="http://www.w3.org/XML/1998/namespace"/>
+  </ds:schemaRefs>
+</ds:datastoreItem>
+</file>
+
+<file path=customXml/itemProps2.xml><?xml version="1.0" encoding="utf-8"?>
 <ds:datastoreItem xmlns:ds="http://schemas.openxmlformats.org/officeDocument/2006/customXml" ds:itemID="{025820C3-FD82-4EFC-BF14-EAF1F9613F52}">
   <ds:schemaRefs>
     <ds:schemaRef ds:uri="http://schemas.microsoft.com/office/2006/metadata/contentType"/>
@@ -18060,23 +17934,6 @@
 </ds:datastoreItem>
 </file>
 
-<file path=customXml/itemProps2.xml><?xml version="1.0" encoding="utf-8"?>
-<ds:datastoreItem xmlns:ds="http://schemas.openxmlformats.org/officeDocument/2006/customXml" ds:itemID="{0825853C-1B27-4995-A583-4D39F900BB7F}">
-  <ds:schemaRefs>
-    <ds:schemaRef ds:uri="http://schemas.microsoft.com/office/2006/documentManagement/types"/>
-    <ds:schemaRef ds:uri="http://purl.org/dc/dcmitype/"/>
-    <ds:schemaRef ds:uri="http://schemas.openxmlformats.org/package/2006/metadata/core-properties"/>
-    <ds:schemaRef ds:uri="669280c1-d17e-4d1d-bd7f-b4f14cc6bf1d"/>
-    <ds:schemaRef ds:uri="http://purl.org/dc/elements/1.1/"/>
-    <ds:schemaRef ds:uri="http://purl.org/dc/terms/"/>
-    <ds:schemaRef ds:uri="http://schemas.microsoft.com/office/infopath/2007/PartnerControls"/>
-    <ds:schemaRef ds:uri="bdc56f61-abc0-4f7e-bfec-a93ccd1ae886"/>
-    <ds:schemaRef ds:uri="http://schemas.microsoft.com/office/2006/metadata/properties"/>
-    <ds:schemaRef ds:uri="http://www.w3.org/XML/1998/namespace"/>
-  </ds:schemaRefs>
-</ds:datastoreItem>
-</file>
-
 <file path=customXml/itemProps3.xml><?xml version="1.0" encoding="utf-8"?>
 <ds:datastoreItem xmlns:ds="http://schemas.openxmlformats.org/officeDocument/2006/customXml" ds:itemID="{4E8623C8-32E1-48B0-9F0A-13F2E9582B7E}">
   <ds:schemaRefs>
